--- a/00_Presentation/eCommerce.pptx
+++ b/00_Presentation/eCommerce.pptx
@@ -18858,9 +18858,144 @@
           </p:txBody>
         </p:sp>
       </p:grpSp>
+      <p:grpSp>
+        <p:nvGrpSpPr>
+          <p:cNvPr id="19" name="Group 19"/>
+          <p:cNvGrpSpPr/>
+          <p:nvPr/>
+        </p:nvGrpSpPr>
+        <p:grpSpPr>
+          <a:xfrm>
+            <a:off x="9294893" y="1838325"/>
+            <a:ext cx="8382000" cy="7688323"/>
+            <a:chOff x="0" y="0"/>
+            <a:chExt cx="2199445" cy="2017423"/>
+          </a:xfrm>
+        </p:grpSpPr>
+        <p:sp>
+          <p:nvSpPr>
+            <p:cNvPr id="20" name="Freeform 20"/>
+            <p:cNvSpPr/>
+            <p:nvPr/>
+          </p:nvSpPr>
+          <p:spPr>
+            <a:xfrm>
+              <a:off x="0" y="0"/>
+              <a:ext cx="2199445" cy="2017423"/>
+            </a:xfrm>
+            <a:custGeom>
+              <a:avLst/>
+              <a:gdLst/>
+              <a:ahLst/>
+              <a:cxnLst/>
+              <a:rect l="l" t="t" r="r" b="b"/>
+              <a:pathLst>
+                <a:path w="2199445" h="2017423">
+                  <a:moveTo>
+                    <a:pt x="11084" y="0"/>
+                  </a:moveTo>
+                  <a:lnTo>
+                    <a:pt x="2188361" y="0"/>
+                  </a:lnTo>
+                  <a:cubicBezTo>
+                    <a:pt x="2191301" y="0"/>
+                    <a:pt x="2194120" y="1168"/>
+                    <a:pt x="2196199" y="3246"/>
+                  </a:cubicBezTo>
+                  <a:cubicBezTo>
+                    <a:pt x="2198277" y="5325"/>
+                    <a:pt x="2199445" y="8144"/>
+                    <a:pt x="2199445" y="11084"/>
+                  </a:cubicBezTo>
+                  <a:lnTo>
+                    <a:pt x="2199445" y="2006340"/>
+                  </a:lnTo>
+                  <a:cubicBezTo>
+                    <a:pt x="2199445" y="2009279"/>
+                    <a:pt x="2198277" y="2012098"/>
+                    <a:pt x="2196199" y="2014177"/>
+                  </a:cubicBezTo>
+                  <a:cubicBezTo>
+                    <a:pt x="2194120" y="2016255"/>
+                    <a:pt x="2191301" y="2017423"/>
+                    <a:pt x="2188361" y="2017423"/>
+                  </a:cubicBezTo>
+                  <a:lnTo>
+                    <a:pt x="11084" y="2017423"/>
+                  </a:lnTo>
+                  <a:cubicBezTo>
+                    <a:pt x="8144" y="2017423"/>
+                    <a:pt x="5325" y="2016255"/>
+                    <a:pt x="3246" y="2014177"/>
+                  </a:cubicBezTo>
+                  <a:cubicBezTo>
+                    <a:pt x="1168" y="2012098"/>
+                    <a:pt x="0" y="2009279"/>
+                    <a:pt x="0" y="2006340"/>
+                  </a:cubicBezTo>
+                  <a:lnTo>
+                    <a:pt x="0" y="11084"/>
+                  </a:lnTo>
+                  <a:cubicBezTo>
+                    <a:pt x="0" y="8144"/>
+                    <a:pt x="1168" y="5325"/>
+                    <a:pt x="3246" y="3246"/>
+                  </a:cubicBezTo>
+                  <a:cubicBezTo>
+                    <a:pt x="5325" y="1168"/>
+                    <a:pt x="8144" y="0"/>
+                    <a:pt x="11084" y="0"/>
+                  </a:cubicBezTo>
+                  <a:close/>
+                </a:path>
+              </a:pathLst>
+            </a:custGeom>
+            <a:solidFill>
+              <a:srgbClr val="000000">
+                <a:alpha val="0"/>
+              </a:srgbClr>
+            </a:solidFill>
+            <a:ln w="19050" cap="sq">
+              <a:solidFill>
+                <a:srgbClr val="191919"/>
+              </a:solidFill>
+              <a:prstDash val="solid"/>
+              <a:miter/>
+            </a:ln>
+          </p:spPr>
+        </p:sp>
+        <p:sp>
+          <p:nvSpPr>
+            <p:cNvPr id="21" name="TextBox 21"/>
+            <p:cNvSpPr txBox="1"/>
+            <p:nvPr/>
+          </p:nvSpPr>
+          <p:spPr>
+            <a:xfrm>
+              <a:off x="0" y="-76200"/>
+              <a:ext cx="2199445" cy="2093623"/>
+            </a:xfrm>
+            <a:prstGeom prst="rect">
+              <a:avLst/>
+            </a:prstGeom>
+          </p:spPr>
+          <p:txBody>
+            <a:bodyPr lIns="152400" tIns="152400" rIns="152400" bIns="152400" rtlCol="0" anchor="ctr"/>
+            <a:lstStyle/>
+            <a:p>
+              <a:pPr algn="ctr">
+                <a:lnSpc>
+                  <a:spcPts val="3899"/>
+                </a:lnSpc>
+              </a:pPr>
+              <a:endParaRPr/>
+            </a:p>
+          </p:txBody>
+        </p:sp>
+      </p:grpSp>
       <p:sp>
         <p:nvSpPr>
-          <p:cNvPr id="19" name="Freeform 19"/>
+          <p:cNvPr id="22" name="Freeform 22"/>
           <p:cNvSpPr/>
           <p:nvPr/>
         </p:nvSpPr>
@@ -18906,7 +19041,7 @@
       </p:sp>
       <p:grpSp>
         <p:nvGrpSpPr>
-          <p:cNvPr id="20" name="Group 20"/>
+          <p:cNvPr id="23" name="Group 23"/>
           <p:cNvGrpSpPr/>
           <p:nvPr/>
         </p:nvGrpSpPr>
@@ -18920,7 +19055,7 @@
         </p:grpSpPr>
         <p:sp>
           <p:nvSpPr>
-            <p:cNvPr id="21" name="Freeform 21"/>
+            <p:cNvPr id="24" name="Freeform 24"/>
             <p:cNvSpPr/>
             <p:nvPr/>
           </p:nvSpPr>
@@ -19008,7 +19143,7 @@
         </p:sp>
         <p:sp>
           <p:nvSpPr>
-            <p:cNvPr id="22" name="TextBox 22"/>
+            <p:cNvPr id="25" name="TextBox 25"/>
             <p:cNvSpPr txBox="1"/>
             <p:nvPr/>
           </p:nvSpPr>
@@ -19045,7 +19180,7 @@
       </p:grpSp>
       <p:grpSp>
         <p:nvGrpSpPr>
-          <p:cNvPr id="23" name="Group 23"/>
+          <p:cNvPr id="26" name="Group 26"/>
           <p:cNvGrpSpPr/>
           <p:nvPr/>
         </p:nvGrpSpPr>
@@ -19059,7 +19194,7 @@
         </p:grpSpPr>
         <p:sp>
           <p:nvSpPr>
-            <p:cNvPr id="24" name="Freeform 24"/>
+            <p:cNvPr id="27" name="Freeform 27"/>
             <p:cNvSpPr/>
             <p:nvPr/>
           </p:nvSpPr>
@@ -19104,7 +19239,7 @@
         </p:sp>
         <p:sp>
           <p:nvSpPr>
-            <p:cNvPr id="25" name="TextBox 25"/>
+            <p:cNvPr id="28" name="TextBox 28"/>
             <p:cNvSpPr txBox="1"/>
             <p:nvPr/>
           </p:nvSpPr>
@@ -19133,28 +19268,28 @@
       </p:grpSp>
       <p:grpSp>
         <p:nvGrpSpPr>
-          <p:cNvPr id="26" name="Group 26"/>
+          <p:cNvPr id="29" name="Group 29"/>
           <p:cNvGrpSpPr/>
           <p:nvPr/>
         </p:nvGrpSpPr>
         <p:grpSpPr>
           <a:xfrm>
-            <a:off x="16495895" y="8098286"/>
-            <a:ext cx="476250" cy="477520"/>
+            <a:off x="16267295" y="7861431"/>
+            <a:ext cx="714375" cy="714375"/>
             <a:chOff x="0" y="0"/>
-            <a:chExt cx="124968" cy="125302"/>
+            <a:chExt cx="187453" cy="187453"/>
           </a:xfrm>
         </p:grpSpPr>
         <p:sp>
           <p:nvSpPr>
-            <p:cNvPr id="27" name="Freeform 27"/>
+            <p:cNvPr id="30" name="Freeform 30"/>
             <p:cNvSpPr/>
             <p:nvPr/>
           </p:nvSpPr>
           <p:spPr>
             <a:xfrm>
               <a:off x="0" y="0"/>
-              <a:ext cx="124968" cy="125302"/>
+              <a:ext cx="187453" cy="187453"/>
             </a:xfrm>
             <a:custGeom>
               <a:avLst/>
@@ -19163,18 +19298,18 @@
               <a:cxnLst/>
               <a:rect l="l" t="t" r="r" b="b"/>
               <a:pathLst>
-                <a:path w="124968" h="125302">
+                <a:path w="187453" h="187453">
                   <a:moveTo>
                     <a:pt x="0" y="0"/>
                   </a:moveTo>
                   <a:lnTo>
-                    <a:pt x="124968" y="0"/>
-                  </a:lnTo>
-                  <a:lnTo>
-                    <a:pt x="124968" y="125302"/>
-                  </a:lnTo>
-                  <a:lnTo>
-                    <a:pt x="0" y="125302"/>
+                    <a:pt x="187453" y="0"/>
+                  </a:lnTo>
+                  <a:lnTo>
+                    <a:pt x="187453" y="187453"/>
+                  </a:lnTo>
+                  <a:lnTo>
+                    <a:pt x="0" y="187453"/>
                   </a:lnTo>
                   <a:close/>
                 </a:path>
@@ -19192,14 +19327,14 @@
         </p:sp>
         <p:sp>
           <p:nvSpPr>
-            <p:cNvPr id="28" name="TextBox 28"/>
+            <p:cNvPr id="31" name="TextBox 31"/>
             <p:cNvSpPr txBox="1"/>
             <p:nvPr/>
           </p:nvSpPr>
           <p:spPr>
             <a:xfrm>
               <a:off x="0" y="-47625"/>
-              <a:ext cx="124968" cy="172927"/>
+              <a:ext cx="187453" cy="235078"/>
             </a:xfrm>
             <a:prstGeom prst="rect">
               <a:avLst/>
@@ -19229,28 +19364,28 @@
       </p:grpSp>
       <p:grpSp>
         <p:nvGrpSpPr>
-          <p:cNvPr id="29" name="Group 29"/>
+          <p:cNvPr id="32" name="Group 32"/>
           <p:cNvGrpSpPr/>
           <p:nvPr/>
         </p:nvGrpSpPr>
         <p:grpSpPr>
           <a:xfrm>
-            <a:off x="10662578" y="8098286"/>
-            <a:ext cx="476250" cy="477520"/>
+            <a:off x="10662578" y="7861431"/>
+            <a:ext cx="714375" cy="714375"/>
             <a:chOff x="0" y="0"/>
-            <a:chExt cx="124968" cy="125302"/>
+            <a:chExt cx="187453" cy="187453"/>
           </a:xfrm>
         </p:grpSpPr>
         <p:sp>
           <p:nvSpPr>
-            <p:cNvPr id="30" name="Freeform 30"/>
+            <p:cNvPr id="33" name="Freeform 33"/>
             <p:cNvSpPr/>
             <p:nvPr/>
           </p:nvSpPr>
           <p:spPr>
             <a:xfrm>
               <a:off x="0" y="0"/>
-              <a:ext cx="124968" cy="125302"/>
+              <a:ext cx="187453" cy="187453"/>
             </a:xfrm>
             <a:custGeom>
               <a:avLst/>
@@ -19259,18 +19394,18 @@
               <a:cxnLst/>
               <a:rect l="l" t="t" r="r" b="b"/>
               <a:pathLst>
-                <a:path w="124968" h="125302">
+                <a:path w="187453" h="187453">
                   <a:moveTo>
                     <a:pt x="0" y="0"/>
                   </a:moveTo>
                   <a:lnTo>
-                    <a:pt x="124968" y="0"/>
-                  </a:lnTo>
-                  <a:lnTo>
-                    <a:pt x="124968" y="125302"/>
-                  </a:lnTo>
-                  <a:lnTo>
-                    <a:pt x="0" y="125302"/>
+                    <a:pt x="187453" y="0"/>
+                  </a:lnTo>
+                  <a:lnTo>
+                    <a:pt x="187453" y="187453"/>
+                  </a:lnTo>
+                  <a:lnTo>
+                    <a:pt x="0" y="187453"/>
                   </a:lnTo>
                   <a:close/>
                 </a:path>
@@ -19288,14 +19423,14 @@
         </p:sp>
         <p:sp>
           <p:nvSpPr>
-            <p:cNvPr id="31" name="TextBox 31"/>
+            <p:cNvPr id="34" name="TextBox 34"/>
             <p:cNvSpPr txBox="1"/>
             <p:nvPr/>
           </p:nvSpPr>
           <p:spPr>
             <a:xfrm>
               <a:off x="0" y="-47625"/>
-              <a:ext cx="124968" cy="172927"/>
+              <a:ext cx="187453" cy="235078"/>
             </a:xfrm>
             <a:prstGeom prst="rect">
               <a:avLst/>
@@ -19325,28 +19460,28 @@
       </p:grpSp>
       <p:grpSp>
         <p:nvGrpSpPr>
-          <p:cNvPr id="32" name="Group 32"/>
+          <p:cNvPr id="35" name="Group 35"/>
           <p:cNvGrpSpPr/>
           <p:nvPr/>
         </p:nvGrpSpPr>
         <p:grpSpPr>
           <a:xfrm>
-            <a:off x="16495895" y="3679591"/>
-            <a:ext cx="476250" cy="477520"/>
+            <a:off x="16267295" y="3679591"/>
+            <a:ext cx="704850" cy="714375"/>
             <a:chOff x="0" y="0"/>
-            <a:chExt cx="124968" cy="125302"/>
+            <a:chExt cx="184953" cy="187453"/>
           </a:xfrm>
         </p:grpSpPr>
         <p:sp>
           <p:nvSpPr>
-            <p:cNvPr id="33" name="Freeform 33"/>
+            <p:cNvPr id="36" name="Freeform 36"/>
             <p:cNvSpPr/>
             <p:nvPr/>
           </p:nvSpPr>
           <p:spPr>
             <a:xfrm>
               <a:off x="0" y="0"/>
-              <a:ext cx="124968" cy="125302"/>
+              <a:ext cx="184953" cy="187453"/>
             </a:xfrm>
             <a:custGeom>
               <a:avLst/>
@@ -19355,18 +19490,18 @@
               <a:cxnLst/>
               <a:rect l="l" t="t" r="r" b="b"/>
               <a:pathLst>
-                <a:path w="124968" h="125302">
+                <a:path w="184953" h="187453">
                   <a:moveTo>
                     <a:pt x="0" y="0"/>
                   </a:moveTo>
                   <a:lnTo>
-                    <a:pt x="124968" y="0"/>
-                  </a:lnTo>
-                  <a:lnTo>
-                    <a:pt x="124968" y="125302"/>
-                  </a:lnTo>
-                  <a:lnTo>
-                    <a:pt x="0" y="125302"/>
+                    <a:pt x="184953" y="0"/>
+                  </a:lnTo>
+                  <a:lnTo>
+                    <a:pt x="184953" y="187453"/>
+                  </a:lnTo>
+                  <a:lnTo>
+                    <a:pt x="0" y="187453"/>
                   </a:lnTo>
                   <a:close/>
                 </a:path>
@@ -19384,14 +19519,14 @@
         </p:sp>
         <p:sp>
           <p:nvSpPr>
-            <p:cNvPr id="34" name="TextBox 34"/>
+            <p:cNvPr id="37" name="TextBox 37"/>
             <p:cNvSpPr txBox="1"/>
             <p:nvPr/>
           </p:nvSpPr>
           <p:spPr>
             <a:xfrm>
               <a:off x="0" y="-47625"/>
-              <a:ext cx="124968" cy="172927"/>
+              <a:ext cx="184953" cy="235078"/>
             </a:xfrm>
             <a:prstGeom prst="rect">
               <a:avLst/>
@@ -19421,28 +19556,28 @@
       </p:grpSp>
       <p:grpSp>
         <p:nvGrpSpPr>
-          <p:cNvPr id="35" name="Group 35"/>
+          <p:cNvPr id="38" name="Group 38"/>
           <p:cNvGrpSpPr/>
           <p:nvPr/>
         </p:nvGrpSpPr>
         <p:grpSpPr>
           <a:xfrm>
             <a:off x="10662578" y="3679591"/>
-            <a:ext cx="476250" cy="477520"/>
+            <a:ext cx="714375" cy="714375"/>
             <a:chOff x="0" y="0"/>
-            <a:chExt cx="124968" cy="125302"/>
+            <a:chExt cx="187453" cy="187453"/>
           </a:xfrm>
         </p:grpSpPr>
         <p:sp>
           <p:nvSpPr>
-            <p:cNvPr id="36" name="Freeform 36"/>
+            <p:cNvPr id="39" name="Freeform 39"/>
             <p:cNvSpPr/>
             <p:nvPr/>
           </p:nvSpPr>
           <p:spPr>
             <a:xfrm>
               <a:off x="0" y="0"/>
-              <a:ext cx="124968" cy="125302"/>
+              <a:ext cx="187453" cy="187453"/>
             </a:xfrm>
             <a:custGeom>
               <a:avLst/>
@@ -19451,18 +19586,18 @@
               <a:cxnLst/>
               <a:rect l="l" t="t" r="r" b="b"/>
               <a:pathLst>
-                <a:path w="124968" h="125302">
+                <a:path w="187453" h="187453">
                   <a:moveTo>
                     <a:pt x="0" y="0"/>
                   </a:moveTo>
                   <a:lnTo>
-                    <a:pt x="124968" y="0"/>
-                  </a:lnTo>
-                  <a:lnTo>
-                    <a:pt x="124968" y="125302"/>
-                  </a:lnTo>
-                  <a:lnTo>
-                    <a:pt x="0" y="125302"/>
+                    <a:pt x="187453" y="0"/>
+                  </a:lnTo>
+                  <a:lnTo>
+                    <a:pt x="187453" y="187453"/>
+                  </a:lnTo>
+                  <a:lnTo>
+                    <a:pt x="0" y="187453"/>
                   </a:lnTo>
                   <a:close/>
                 </a:path>
@@ -19480,14 +19615,14 @@
         </p:sp>
         <p:sp>
           <p:nvSpPr>
-            <p:cNvPr id="37" name="TextBox 37"/>
+            <p:cNvPr id="40" name="TextBox 40"/>
             <p:cNvSpPr txBox="1"/>
             <p:nvPr/>
           </p:nvSpPr>
           <p:spPr>
             <a:xfrm>
               <a:off x="0" y="-47625"/>
-              <a:ext cx="124968" cy="172927"/>
+              <a:ext cx="187453" cy="235078"/>
             </a:xfrm>
             <a:prstGeom prst="rect">
               <a:avLst/>
@@ -19517,7 +19652,7 @@
       </p:grpSp>
       <p:sp>
         <p:nvSpPr>
-          <p:cNvPr id="38" name="Freeform 38"/>
+          <p:cNvPr id="41" name="Freeform 41"/>
           <p:cNvSpPr/>
           <p:nvPr/>
         </p:nvSpPr>
@@ -19561,141 +19696,6 @@
           </a:blipFill>
         </p:spPr>
       </p:sp>
-      <p:grpSp>
-        <p:nvGrpSpPr>
-          <p:cNvPr id="39" name="Group 39"/>
-          <p:cNvGrpSpPr/>
-          <p:nvPr/>
-        </p:nvGrpSpPr>
-        <p:grpSpPr>
-          <a:xfrm>
-            <a:off x="9294893" y="1838325"/>
-            <a:ext cx="8382000" cy="7688323"/>
-            <a:chOff x="0" y="0"/>
-            <a:chExt cx="2199445" cy="2017423"/>
-          </a:xfrm>
-        </p:grpSpPr>
-        <p:sp>
-          <p:nvSpPr>
-            <p:cNvPr id="40" name="Freeform 40"/>
-            <p:cNvSpPr/>
-            <p:nvPr/>
-          </p:nvSpPr>
-          <p:spPr>
-            <a:xfrm>
-              <a:off x="0" y="0"/>
-              <a:ext cx="2199445" cy="2017423"/>
-            </a:xfrm>
-            <a:custGeom>
-              <a:avLst/>
-              <a:gdLst/>
-              <a:ahLst/>
-              <a:cxnLst/>
-              <a:rect l="l" t="t" r="r" b="b"/>
-              <a:pathLst>
-                <a:path w="2199445" h="2017423">
-                  <a:moveTo>
-                    <a:pt x="11084" y="0"/>
-                  </a:moveTo>
-                  <a:lnTo>
-                    <a:pt x="2188361" y="0"/>
-                  </a:lnTo>
-                  <a:cubicBezTo>
-                    <a:pt x="2191301" y="0"/>
-                    <a:pt x="2194120" y="1168"/>
-                    <a:pt x="2196199" y="3246"/>
-                  </a:cubicBezTo>
-                  <a:cubicBezTo>
-                    <a:pt x="2198277" y="5325"/>
-                    <a:pt x="2199445" y="8144"/>
-                    <a:pt x="2199445" y="11084"/>
-                  </a:cubicBezTo>
-                  <a:lnTo>
-                    <a:pt x="2199445" y="2006340"/>
-                  </a:lnTo>
-                  <a:cubicBezTo>
-                    <a:pt x="2199445" y="2009279"/>
-                    <a:pt x="2198277" y="2012098"/>
-                    <a:pt x="2196199" y="2014177"/>
-                  </a:cubicBezTo>
-                  <a:cubicBezTo>
-                    <a:pt x="2194120" y="2016255"/>
-                    <a:pt x="2191301" y="2017423"/>
-                    <a:pt x="2188361" y="2017423"/>
-                  </a:cubicBezTo>
-                  <a:lnTo>
-                    <a:pt x="11084" y="2017423"/>
-                  </a:lnTo>
-                  <a:cubicBezTo>
-                    <a:pt x="8144" y="2017423"/>
-                    <a:pt x="5325" y="2016255"/>
-                    <a:pt x="3246" y="2014177"/>
-                  </a:cubicBezTo>
-                  <a:cubicBezTo>
-                    <a:pt x="1168" y="2012098"/>
-                    <a:pt x="0" y="2009279"/>
-                    <a:pt x="0" y="2006340"/>
-                  </a:cubicBezTo>
-                  <a:lnTo>
-                    <a:pt x="0" y="11084"/>
-                  </a:lnTo>
-                  <a:cubicBezTo>
-                    <a:pt x="0" y="8144"/>
-                    <a:pt x="1168" y="5325"/>
-                    <a:pt x="3246" y="3246"/>
-                  </a:cubicBezTo>
-                  <a:cubicBezTo>
-                    <a:pt x="5325" y="1168"/>
-                    <a:pt x="8144" y="0"/>
-                    <a:pt x="11084" y="0"/>
-                  </a:cubicBezTo>
-                  <a:close/>
-                </a:path>
-              </a:pathLst>
-            </a:custGeom>
-            <a:solidFill>
-              <a:srgbClr val="000000">
-                <a:alpha val="0"/>
-              </a:srgbClr>
-            </a:solidFill>
-            <a:ln w="19050" cap="sq">
-              <a:solidFill>
-                <a:srgbClr val="191919"/>
-              </a:solidFill>
-              <a:prstDash val="solid"/>
-              <a:miter/>
-            </a:ln>
-          </p:spPr>
-        </p:sp>
-        <p:sp>
-          <p:nvSpPr>
-            <p:cNvPr id="41" name="TextBox 41"/>
-            <p:cNvSpPr txBox="1"/>
-            <p:nvPr/>
-          </p:nvSpPr>
-          <p:spPr>
-            <a:xfrm>
-              <a:off x="0" y="-76200"/>
-              <a:ext cx="2199445" cy="2093623"/>
-            </a:xfrm>
-            <a:prstGeom prst="rect">
-              <a:avLst/>
-            </a:prstGeom>
-          </p:spPr>
-          <p:txBody>
-            <a:bodyPr lIns="152400" tIns="152400" rIns="152400" bIns="152400" rtlCol="0" anchor="ctr"/>
-            <a:lstStyle/>
-            <a:p>
-              <a:pPr algn="ctr">
-                <a:lnSpc>
-                  <a:spcPts val="3899"/>
-                </a:lnSpc>
-              </a:pPr>
-              <a:endParaRPr/>
-            </a:p>
-          </p:txBody>
-        </p:sp>
-      </p:grpSp>
       <p:sp>
         <p:nvSpPr>
           <p:cNvPr id="42" name="TextBox 42"/>
